--- a/Processes/Marketing/Office Templates/Presentation Template.pptx
+++ b/Processes/Marketing/Office Templates/Presentation Template.pptx
@@ -294,6 +294,9 @@
           </p15:clr>
         </p15:guide>
       </p15:sldGuideLst>
+    </p:ext>
+    <p:ext uri="{2D200454-40CA-4A62-9FC3-DE9A4176ACB9}">
+      <p15:notesGuideLst xmlns:p15="http://schemas.microsoft.com/office/powerpoint/2012/main"/>
     </p:ext>
   </p:extLst>
 </p:presentation>
@@ -3183,7 +3186,7 @@
           <a:p>
             <a:fld id="{7E4CE2AE-07D8-4EE4-A209-255833C87B01}" type="datetimeFigureOut">
               <a:rPr lang="en-US" smtClean="0"/>
-              <a:t>12/8/2022</a:t>
+              <a:t>12/21/2022</a:t>
             </a:fld>
             <a:endParaRPr lang="en-US"/>
           </a:p>
@@ -10755,11 +10758,11 @@
       <p:bgPr>
         <a:gradFill flip="none" rotWithShape="1">
           <a:gsLst>
-            <a:gs pos="0">
-              <a:srgbClr val="4AABF0"/>
+            <a:gs pos="100000">
+              <a:srgbClr val="3B4FBB"/>
             </a:gs>
-            <a:gs pos="100000">
-              <a:srgbClr val="0F72B5"/>
+            <a:gs pos="14000">
+              <a:srgbClr val="6ABBE3"/>
             </a:gs>
           </a:gsLst>
           <a:path path="circle">
